--- a/APMA_4990_Project_Pitch.pptx
+++ b/APMA_4990_Project_Pitch.pptx
@@ -4090,26 +4090,10 @@
               </a:rPr>
               <a:t>Classifying Home Value</a:t>
             </a:r>
-          </a:p>
-          <a:p>
-            <a:pPr lvl="1"/>
-            <a:r>
-              <a:rPr lang="en-US" sz="1600" dirty="0">
-                <a:latin typeface="DengXian" panose="02010600030101010101" pitchFamily="2" charset="-122"/>
-                <a:ea typeface="DengXian" panose="02010600030101010101" pitchFamily="2" charset="-122"/>
-              </a:rPr>
-              <a:t>Logistic Regression</a:t>
-            </a:r>
-          </a:p>
-          <a:p>
-            <a:pPr lvl="1"/>
-            <a:r>
-              <a:rPr lang="en-US" sz="1600" dirty="0">
-                <a:latin typeface="DengXian" panose="02010600030101010101" pitchFamily="2" charset="-122"/>
-                <a:ea typeface="DengXian" panose="02010600030101010101" pitchFamily="2" charset="-122"/>
-              </a:rPr>
-              <a:t>Issue: Measuring Performance</a:t>
-            </a:r>
+            <a:endParaRPr lang="en-US" sz="1600" dirty="0">
+              <a:latin typeface="DengXian" panose="02010600030101010101" pitchFamily="2" charset="-122"/>
+              <a:ea typeface="DengXian" panose="02010600030101010101" pitchFamily="2" charset="-122"/>
+            </a:endParaRPr>
           </a:p>
           <a:p>
             <a:pPr lvl="1"/>

--- a/APMA_4990_Project_Pitch.pptx
+++ b/APMA_4990_Project_Pitch.pptx
@@ -264,7 +264,7 @@
           <a:p>
             <a:fld id="{512ED4E0-2C74-4D0C-AD02-BD85553278A1}" type="datetimeFigureOut">
               <a:rPr lang="en-US" smtClean="0"/>
-              <a:t>3/22/2018</a:t>
+              <a:t>3/29/2018</a:t>
             </a:fld>
             <a:endParaRPr lang="en-US"/>
           </a:p>
@@ -462,7 +462,7 @@
           <a:p>
             <a:fld id="{512ED4E0-2C74-4D0C-AD02-BD85553278A1}" type="datetimeFigureOut">
               <a:rPr lang="en-US" smtClean="0"/>
-              <a:t>3/22/2018</a:t>
+              <a:t>3/29/2018</a:t>
             </a:fld>
             <a:endParaRPr lang="en-US"/>
           </a:p>
@@ -670,7 +670,7 @@
           <a:p>
             <a:fld id="{512ED4E0-2C74-4D0C-AD02-BD85553278A1}" type="datetimeFigureOut">
               <a:rPr lang="en-US" smtClean="0"/>
-              <a:t>3/22/2018</a:t>
+              <a:t>3/29/2018</a:t>
             </a:fld>
             <a:endParaRPr lang="en-US"/>
           </a:p>
@@ -868,7 +868,7 @@
           <a:p>
             <a:fld id="{512ED4E0-2C74-4D0C-AD02-BD85553278A1}" type="datetimeFigureOut">
               <a:rPr lang="en-US" smtClean="0"/>
-              <a:t>3/22/2018</a:t>
+              <a:t>3/29/2018</a:t>
             </a:fld>
             <a:endParaRPr lang="en-US"/>
           </a:p>
@@ -1143,7 +1143,7 @@
           <a:p>
             <a:fld id="{512ED4E0-2C74-4D0C-AD02-BD85553278A1}" type="datetimeFigureOut">
               <a:rPr lang="en-US" smtClean="0"/>
-              <a:t>3/22/2018</a:t>
+              <a:t>3/29/2018</a:t>
             </a:fld>
             <a:endParaRPr lang="en-US"/>
           </a:p>
@@ -1408,7 +1408,7 @@
           <a:p>
             <a:fld id="{512ED4E0-2C74-4D0C-AD02-BD85553278A1}" type="datetimeFigureOut">
               <a:rPr lang="en-US" smtClean="0"/>
-              <a:t>3/22/2018</a:t>
+              <a:t>3/29/2018</a:t>
             </a:fld>
             <a:endParaRPr lang="en-US"/>
           </a:p>
@@ -1820,7 +1820,7 @@
           <a:p>
             <a:fld id="{512ED4E0-2C74-4D0C-AD02-BD85553278A1}" type="datetimeFigureOut">
               <a:rPr lang="en-US" smtClean="0"/>
-              <a:t>3/22/2018</a:t>
+              <a:t>3/29/2018</a:t>
             </a:fld>
             <a:endParaRPr lang="en-US"/>
           </a:p>
@@ -1961,7 +1961,7 @@
           <a:p>
             <a:fld id="{512ED4E0-2C74-4D0C-AD02-BD85553278A1}" type="datetimeFigureOut">
               <a:rPr lang="en-US" smtClean="0"/>
-              <a:t>3/22/2018</a:t>
+              <a:t>3/29/2018</a:t>
             </a:fld>
             <a:endParaRPr lang="en-US"/>
           </a:p>
@@ -2074,7 +2074,7 @@
           <a:p>
             <a:fld id="{512ED4E0-2C74-4D0C-AD02-BD85553278A1}" type="datetimeFigureOut">
               <a:rPr lang="en-US" smtClean="0"/>
-              <a:t>3/22/2018</a:t>
+              <a:t>3/29/2018</a:t>
             </a:fld>
             <a:endParaRPr lang="en-US"/>
           </a:p>
@@ -2385,7 +2385,7 @@
           <a:p>
             <a:fld id="{512ED4E0-2C74-4D0C-AD02-BD85553278A1}" type="datetimeFigureOut">
               <a:rPr lang="en-US" smtClean="0"/>
-              <a:t>3/22/2018</a:t>
+              <a:t>3/29/2018</a:t>
             </a:fld>
             <a:endParaRPr lang="en-US"/>
           </a:p>
@@ -2673,7 +2673,7 @@
           <a:p>
             <a:fld id="{512ED4E0-2C74-4D0C-AD02-BD85553278A1}" type="datetimeFigureOut">
               <a:rPr lang="en-US" smtClean="0"/>
-              <a:t>3/22/2018</a:t>
+              <a:t>3/29/2018</a:t>
             </a:fld>
             <a:endParaRPr lang="en-US"/>
           </a:p>
@@ -2914,7 +2914,7 @@
           <a:p>
             <a:fld id="{512ED4E0-2C74-4D0C-AD02-BD85553278A1}" type="datetimeFigureOut">
               <a:rPr lang="en-US" smtClean="0"/>
-              <a:t>3/22/2018</a:t>
+              <a:t>3/29/2018</a:t>
             </a:fld>
             <a:endParaRPr lang="en-US"/>
           </a:p>
@@ -3790,15 +3790,6 @@
                 <a:ea typeface="DengXian" panose="02010600030101010101" pitchFamily="2" charset="-122"/>
               </a:rPr>
               <a:t>Similarly, homeowners will also be able to see this information and adjust their list prices as necessary</a:t>
-            </a:r>
-          </a:p>
-          <a:p>
-            <a:r>
-              <a:rPr lang="en-US" dirty="0">
-                <a:latin typeface="DengXian" panose="02010600030101010101" pitchFamily="2" charset="-122"/>
-                <a:ea typeface="DengXian" panose="02010600030101010101" pitchFamily="2" charset="-122"/>
-              </a:rPr>
-              <a:t>Question: How do we validate this solution?</a:t>
             </a:r>
           </a:p>
         </p:txBody>
